--- a/AnalyzeOilStocks.pptx
+++ b/AnalyzeOilStocks.pptx
@@ -5,20 +5,21 @@
     <p:sldMasterId id="2147483648" r:id="rId2"/>
   </p:sldMasterIdLst>
   <p:notesMasterIdLst>
-    <p:notesMasterId r:id="rId14"/>
+    <p:notesMasterId r:id="rId15"/>
   </p:notesMasterIdLst>
   <p:sldIdLst>
     <p:sldId id="259" r:id="rId3"/>
     <p:sldId id="261" r:id="rId4"/>
     <p:sldId id="262" r:id="rId5"/>
     <p:sldId id="263" r:id="rId6"/>
-    <p:sldId id="277" r:id="rId7"/>
+    <p:sldId id="279" r:id="rId7"/>
     <p:sldId id="272" r:id="rId8"/>
     <p:sldId id="273" r:id="rId9"/>
     <p:sldId id="274" r:id="rId10"/>
     <p:sldId id="275" r:id="rId11"/>
-    <p:sldId id="267" r:id="rId12"/>
-    <p:sldId id="276" r:id="rId13"/>
+    <p:sldId id="278" r:id="rId12"/>
+    <p:sldId id="267" r:id="rId13"/>
+    <p:sldId id="276" r:id="rId14"/>
   </p:sldIdLst>
   <p:sldSz cx="9144000" cy="6858000" type="screen4x3"/>
   <p:notesSz cx="6858000" cy="9144000"/>
@@ -130,11 +131,12 @@
             <p14:sldId id="261"/>
             <p14:sldId id="262"/>
             <p14:sldId id="263"/>
-            <p14:sldId id="277"/>
+            <p14:sldId id="279"/>
             <p14:sldId id="272"/>
             <p14:sldId id="273"/>
             <p14:sldId id="274"/>
             <p14:sldId id="275"/>
+            <p14:sldId id="278"/>
             <p14:sldId id="267"/>
             <p14:sldId id="276"/>
           </p14:sldIdLst>
@@ -172,6 +174,10 @@
 </p:presentation>
 </file>
 
+<file path=ppt/revisionInfo.xml><?xml version="1.0" encoding="utf-8"?>
+<p1510:revInfo xmlns:a="http://schemas.openxmlformats.org/drawingml/2006/main" xmlns:r="http://schemas.openxmlformats.org/officeDocument/2006/relationships" xmlns:p1510="http://schemas.microsoft.com/office/powerpoint/2015/10/main"/>
+</file>
+
 <file path=ppt/diagrams/colors1.xml><?xml version="1.0" encoding="utf-8"?>
 <dgm:colorsDef xmlns:dgm="http://schemas.openxmlformats.org/drawingml/2006/diagram" xmlns:a="http://schemas.openxmlformats.org/drawingml/2006/main" uniqueId="urn:microsoft.com/office/officeart/2005/8/colors/colorful2">
   <dgm:title val=""/>
@@ -970,7 +976,7 @@
         <a:p>
           <a:r>
             <a:rPr lang="en-US" dirty="0"/>
-            <a:t>Collect </a:t>
+            <a:t>Data Access</a:t>
           </a:r>
         </a:p>
       </dgm:t>
@@ -1006,7 +1012,7 @@
         <a:p>
           <a:r>
             <a:rPr lang="en-US" dirty="0"/>
-            <a:t>Scrub</a:t>
+            <a:t>Data Prepare</a:t>
           </a:r>
         </a:p>
       </dgm:t>
@@ -1042,7 +1048,7 @@
         <a:p>
           <a:r>
             <a:rPr lang="en-US" dirty="0"/>
-            <a:t>Data Visualization</a:t>
+            <a:t>Visualize</a:t>
           </a:r>
         </a:p>
       </dgm:t>
@@ -1078,7 +1084,7 @@
         <a:p>
           <a:r>
             <a:rPr lang="en-US" dirty="0"/>
-            <a:t>Analyze &amp; Validate</a:t>
+            <a:t>Validate</a:t>
           </a:r>
         </a:p>
       </dgm:t>
@@ -1114,7 +1120,7 @@
         <a:p>
           <a:r>
             <a:rPr lang="en-US" dirty="0"/>
-            <a:t>Measure Sentiments </a:t>
+            <a:t>Analyze</a:t>
           </a:r>
         </a:p>
       </dgm:t>
@@ -1307,12 +1313,12 @@
         </a:fontRef>
       </dsp:style>
       <dsp:txBody>
-        <a:bodyPr spcFirstLastPara="0" vert="horz" wrap="square" lIns="52007" tIns="17336" rIns="17336" bIns="17336" numCol="1" spcCol="1270" anchor="ctr" anchorCtr="0">
+        <a:bodyPr spcFirstLastPara="0" vert="horz" wrap="square" lIns="76010" tIns="25337" rIns="25337" bIns="25337" numCol="1" spcCol="1270" anchor="ctr" anchorCtr="0">
           <a:noAutofit/>
         </a:bodyPr>
         <a:lstStyle/>
         <a:p>
-          <a:pPr marL="0" lvl="0" indent="0" algn="ctr" defTabSz="577850">
+          <a:pPr marL="0" lvl="0" indent="0" algn="ctr" defTabSz="844550">
             <a:lnSpc>
               <a:spcPct val="90000"/>
             </a:lnSpc>
@@ -1325,8 +1331,8 @@
             <a:buNone/>
           </a:pPr>
           <a:r>
-            <a:rPr lang="en-US" sz="1300" kern="1200" dirty="0"/>
-            <a:t>Collect </a:t>
+            <a:rPr lang="en-US" sz="1900" kern="1200" dirty="0"/>
+            <a:t>Data Access</a:t>
           </a:r>
         </a:p>
       </dsp:txBody>
@@ -1384,12 +1390,12 @@
         </a:fontRef>
       </dsp:style>
       <dsp:txBody>
-        <a:bodyPr spcFirstLastPara="0" vert="horz" wrap="square" lIns="52007" tIns="17336" rIns="17336" bIns="17336" numCol="1" spcCol="1270" anchor="ctr" anchorCtr="0">
+        <a:bodyPr spcFirstLastPara="0" vert="horz" wrap="square" lIns="76010" tIns="25337" rIns="25337" bIns="25337" numCol="1" spcCol="1270" anchor="ctr" anchorCtr="0">
           <a:noAutofit/>
         </a:bodyPr>
         <a:lstStyle/>
         <a:p>
-          <a:pPr marL="0" lvl="0" indent="0" algn="ctr" defTabSz="577850">
+          <a:pPr marL="0" lvl="0" indent="0" algn="ctr" defTabSz="844550">
             <a:lnSpc>
               <a:spcPct val="90000"/>
             </a:lnSpc>
@@ -1402,8 +1408,8 @@
             <a:buNone/>
           </a:pPr>
           <a:r>
-            <a:rPr lang="en-US" sz="1300" kern="1200" dirty="0"/>
-            <a:t>Scrub</a:t>
+            <a:rPr lang="en-US" sz="1900" kern="1200" dirty="0"/>
+            <a:t>Data Prepare</a:t>
           </a:r>
         </a:p>
       </dsp:txBody>
@@ -1461,12 +1467,12 @@
         </a:fontRef>
       </dsp:style>
       <dsp:txBody>
-        <a:bodyPr spcFirstLastPara="0" vert="horz" wrap="square" lIns="52007" tIns="17336" rIns="17336" bIns="17336" numCol="1" spcCol="1270" anchor="ctr" anchorCtr="0">
+        <a:bodyPr spcFirstLastPara="0" vert="horz" wrap="square" lIns="76010" tIns="25337" rIns="25337" bIns="25337" numCol="1" spcCol="1270" anchor="ctr" anchorCtr="0">
           <a:noAutofit/>
         </a:bodyPr>
         <a:lstStyle/>
         <a:p>
-          <a:pPr marL="0" lvl="0" indent="0" algn="ctr" defTabSz="577850">
+          <a:pPr marL="0" lvl="0" indent="0" algn="ctr" defTabSz="844550">
             <a:lnSpc>
               <a:spcPct val="90000"/>
             </a:lnSpc>
@@ -1479,8 +1485,8 @@
             <a:buNone/>
           </a:pPr>
           <a:r>
-            <a:rPr lang="en-US" sz="1300" kern="1200" dirty="0"/>
-            <a:t>Measure Sentiments </a:t>
+            <a:rPr lang="en-US" sz="1900" kern="1200" dirty="0"/>
+            <a:t>Analyze</a:t>
           </a:r>
         </a:p>
       </dsp:txBody>
@@ -1538,12 +1544,12 @@
         </a:fontRef>
       </dsp:style>
       <dsp:txBody>
-        <a:bodyPr spcFirstLastPara="0" vert="horz" wrap="square" lIns="52007" tIns="17336" rIns="17336" bIns="17336" numCol="1" spcCol="1270" anchor="ctr" anchorCtr="0">
+        <a:bodyPr spcFirstLastPara="0" vert="horz" wrap="square" lIns="76010" tIns="25337" rIns="25337" bIns="25337" numCol="1" spcCol="1270" anchor="ctr" anchorCtr="0">
           <a:noAutofit/>
         </a:bodyPr>
         <a:lstStyle/>
         <a:p>
-          <a:pPr marL="0" lvl="0" indent="0" algn="ctr" defTabSz="577850">
+          <a:pPr marL="0" lvl="0" indent="0" algn="ctr" defTabSz="844550">
             <a:lnSpc>
               <a:spcPct val="90000"/>
             </a:lnSpc>
@@ -1556,8 +1562,8 @@
             <a:buNone/>
           </a:pPr>
           <a:r>
-            <a:rPr lang="en-US" sz="1300" kern="1200" dirty="0"/>
-            <a:t>Data Visualization</a:t>
+            <a:rPr lang="en-US" sz="1900" kern="1200" dirty="0"/>
+            <a:t>Visualize</a:t>
           </a:r>
         </a:p>
       </dsp:txBody>
@@ -1615,12 +1621,12 @@
         </a:fontRef>
       </dsp:style>
       <dsp:txBody>
-        <a:bodyPr spcFirstLastPara="0" vert="horz" wrap="square" lIns="52007" tIns="17336" rIns="17336" bIns="17336" numCol="1" spcCol="1270" anchor="ctr" anchorCtr="0">
+        <a:bodyPr spcFirstLastPara="0" vert="horz" wrap="square" lIns="76010" tIns="25337" rIns="25337" bIns="25337" numCol="1" spcCol="1270" anchor="ctr" anchorCtr="0">
           <a:noAutofit/>
         </a:bodyPr>
         <a:lstStyle/>
         <a:p>
-          <a:pPr marL="0" lvl="0" indent="0" algn="ctr" defTabSz="577850">
+          <a:pPr marL="0" lvl="0" indent="0" algn="ctr" defTabSz="844550">
             <a:lnSpc>
               <a:spcPct val="90000"/>
             </a:lnSpc>
@@ -1633,8 +1639,8 @@
             <a:buNone/>
           </a:pPr>
           <a:r>
-            <a:rPr lang="en-US" sz="1300" kern="1200" dirty="0"/>
-            <a:t>Analyze &amp; Validate</a:t>
+            <a:rPr lang="en-US" sz="1900" kern="1200" dirty="0"/>
+            <a:t>Validate</a:t>
           </a:r>
         </a:p>
       </dsp:txBody>
@@ -3046,7 +3052,7 @@
           <a:p>
             <a:fld id="{724506C0-3FFE-45A5-803D-9F4FC5464A70}" type="datetimeFigureOut">
               <a:rPr lang="en-US" smtClean="0"/>
-              <a:t>1/17/2018</a:t>
+              <a:t>1/18/2018</a:t>
             </a:fld>
             <a:endParaRPr lang="en-US"/>
           </a:p>
@@ -4104,7 +4110,7 @@
           <a:p>
             <a:fld id="{F922158D-428B-4987-8B28-745A2AFA1252}" type="datetimeFigureOut">
               <a:rPr lang="en-US" smtClean="0"/>
-              <a:t>1/17/2018</a:t>
+              <a:t>1/18/2018</a:t>
             </a:fld>
             <a:endParaRPr lang="en-US"/>
           </a:p>
@@ -4412,7 +4418,7 @@
           <a:p>
             <a:fld id="{F922158D-428B-4987-8B28-745A2AFA1252}" type="datetimeFigureOut">
               <a:rPr lang="en-US" smtClean="0"/>
-              <a:t>1/17/2018</a:t>
+              <a:t>1/18/2018</a:t>
             </a:fld>
             <a:endParaRPr lang="en-US"/>
           </a:p>
@@ -4588,7 +4594,7 @@
           <a:p>
             <a:fld id="{F922158D-428B-4987-8B28-745A2AFA1252}" type="datetimeFigureOut">
               <a:rPr lang="en-US" smtClean="0"/>
-              <a:t>1/17/2018</a:t>
+              <a:t>1/18/2018</a:t>
             </a:fld>
             <a:endParaRPr lang="en-US"/>
           </a:p>
@@ -4857,7 +4863,7 @@
           <a:p>
             <a:fld id="{F922158D-428B-4987-8B28-745A2AFA1252}" type="datetimeFigureOut">
               <a:rPr lang="en-US" smtClean="0"/>
-              <a:t>1/17/2018</a:t>
+              <a:t>1/18/2018</a:t>
             </a:fld>
             <a:endParaRPr lang="en-US"/>
           </a:p>
@@ -5170,7 +5176,7 @@
           <a:p>
             <a:fld id="{F922158D-428B-4987-8B28-745A2AFA1252}" type="datetimeFigureOut">
               <a:rPr lang="en-US" smtClean="0"/>
-              <a:t>1/17/2018</a:t>
+              <a:t>1/18/2018</a:t>
             </a:fld>
             <a:endParaRPr lang="en-US"/>
           </a:p>
@@ -5460,7 +5466,7 @@
           <a:p>
             <a:fld id="{F922158D-428B-4987-8B28-745A2AFA1252}" type="datetimeFigureOut">
               <a:rPr lang="en-US" smtClean="0"/>
-              <a:t>1/17/2018</a:t>
+              <a:t>1/18/2018</a:t>
             </a:fld>
             <a:endParaRPr lang="en-US"/>
           </a:p>
@@ -5892,7 +5898,7 @@
           <a:p>
             <a:fld id="{F922158D-428B-4987-8B28-745A2AFA1252}" type="datetimeFigureOut">
               <a:rPr lang="en-US" smtClean="0"/>
-              <a:t>1/17/2018</a:t>
+              <a:t>1/18/2018</a:t>
             </a:fld>
             <a:endParaRPr lang="en-US"/>
           </a:p>
@@ -6014,7 +6020,7 @@
           <a:p>
             <a:fld id="{F922158D-428B-4987-8B28-745A2AFA1252}" type="datetimeFigureOut">
               <a:rPr lang="en-US" smtClean="0"/>
-              <a:t>1/17/2018</a:t>
+              <a:t>1/18/2018</a:t>
             </a:fld>
             <a:endParaRPr lang="en-US"/>
           </a:p>
@@ -6107,7 +6113,7 @@
           <a:p>
             <a:fld id="{F922158D-428B-4987-8B28-745A2AFA1252}" type="datetimeFigureOut">
               <a:rPr lang="en-US" smtClean="0"/>
-              <a:t>1/17/2018</a:t>
+              <a:t>1/18/2018</a:t>
             </a:fld>
             <a:endParaRPr lang="en-US"/>
           </a:p>
@@ -6383,7 +6389,7 @@
           <a:p>
             <a:fld id="{F922158D-428B-4987-8B28-745A2AFA1252}" type="datetimeFigureOut">
               <a:rPr lang="en-US" smtClean="0"/>
-              <a:t>1/17/2018</a:t>
+              <a:t>1/18/2018</a:t>
             </a:fld>
             <a:endParaRPr lang="en-US"/>
           </a:p>
@@ -6636,7 +6642,7 @@
           <a:p>
             <a:fld id="{F922158D-428B-4987-8B28-745A2AFA1252}" type="datetimeFigureOut">
               <a:rPr lang="en-US" smtClean="0"/>
-              <a:t>1/17/2018</a:t>
+              <a:t>1/18/2018</a:t>
             </a:fld>
             <a:endParaRPr lang="en-US"/>
           </a:p>
@@ -6847,7 +6853,7 @@
           <a:p>
             <a:fld id="{F922158D-428B-4987-8B28-745A2AFA1252}" type="datetimeFigureOut">
               <a:rPr lang="en-US" smtClean="0"/>
-              <a:t>1/17/2018</a:t>
+              <a:t>1/18/2018</a:t>
             </a:fld>
             <a:endParaRPr lang="en-US"/>
           </a:p>
@@ -7385,6 +7391,92 @@
       </p:grpSpPr>
       <p:sp>
         <p:nvSpPr>
+          <p:cNvPr id="2" name="Title 1">
+            <a:extLst>
+              <a:ext uri="{FF2B5EF4-FFF2-40B4-BE49-F238E27FC236}">
+                <a16:creationId xmlns:a16="http://schemas.microsoft.com/office/drawing/2014/main" id="{D4AB44FC-9E3F-4EBC-8D74-DB5CE444D9DE}"/>
+              </a:ext>
+            </a:extLst>
+          </p:cNvPr>
+          <p:cNvSpPr>
+            <a:spLocks noGrp="1"/>
+          </p:cNvSpPr>
+          <p:nvPr>
+            <p:ph type="title"/>
+          </p:nvPr>
+        </p:nvSpPr>
+        <p:spPr/>
+        <p:txBody>
+          <a:bodyPr/>
+          <a:lstStyle/>
+          <a:p>
+            <a:r>
+              <a:rPr lang="en-US" dirty="0"/>
+              <a:t>Our learnings</a:t>
+            </a:r>
+          </a:p>
+        </p:txBody>
+      </p:sp>
+      <p:sp>
+        <p:nvSpPr>
+          <p:cNvPr id="3" name="Content Placeholder 2">
+            <a:extLst>
+              <a:ext uri="{FF2B5EF4-FFF2-40B4-BE49-F238E27FC236}">
+                <a16:creationId xmlns:a16="http://schemas.microsoft.com/office/drawing/2014/main" id="{BC420CC8-56F6-4330-8BFE-78539039E697}"/>
+              </a:ext>
+            </a:extLst>
+          </p:cNvPr>
+          <p:cNvSpPr>
+            <a:spLocks noGrp="1"/>
+          </p:cNvSpPr>
+          <p:nvPr>
+            <p:ph idx="1"/>
+          </p:nvPr>
+        </p:nvSpPr>
+        <p:spPr/>
+        <p:txBody>
+          <a:bodyPr/>
+          <a:lstStyle/>
+          <a:p>
+            <a:endParaRPr lang="en-US" dirty="0"/>
+          </a:p>
+        </p:txBody>
+      </p:sp>
+    </p:spTree>
+    <p:extLst>
+      <p:ext uri="{BB962C8B-B14F-4D97-AF65-F5344CB8AC3E}">
+        <p14:creationId xmlns:p14="http://schemas.microsoft.com/office/powerpoint/2010/main" val="3040701677"/>
+      </p:ext>
+    </p:extLst>
+  </p:cSld>
+  <p:clrMapOvr>
+    <a:masterClrMapping/>
+  </p:clrMapOvr>
+  <p:transition spd="slow">
+    <p:fade/>
+  </p:transition>
+</p:sld>
+</file>
+
+<file path=ppt/slides/slide11.xml><?xml version="1.0" encoding="utf-8"?>
+<p:sld xmlns:a="http://schemas.openxmlformats.org/drawingml/2006/main" xmlns:r="http://schemas.openxmlformats.org/officeDocument/2006/relationships" xmlns:p="http://schemas.openxmlformats.org/presentationml/2006/main">
+  <p:cSld>
+    <p:spTree>
+      <p:nvGrpSpPr>
+        <p:cNvPr id="1" name=""/>
+        <p:cNvGrpSpPr/>
+        <p:nvPr/>
+      </p:nvGrpSpPr>
+      <p:grpSpPr>
+        <a:xfrm>
+          <a:off x="0" y="0"/>
+          <a:ext cx="0" cy="0"/>
+          <a:chOff x="0" y="0"/>
+          <a:chExt cx="0" cy="0"/>
+        </a:xfrm>
+      </p:grpSpPr>
+      <p:sp>
+        <p:nvSpPr>
           <p:cNvPr id="2" name="Title 1"/>
           <p:cNvSpPr>
             <a:spLocks noGrp="1"/>
@@ -7483,7 +7575,7 @@
 </p:sld>
 </file>
 
-<file path=ppt/slides/slide11.xml><?xml version="1.0" encoding="utf-8"?>
+<file path=ppt/slides/slide12.xml><?xml version="1.0" encoding="utf-8"?>
 <p:sld xmlns:a="http://schemas.openxmlformats.org/drawingml/2006/main" xmlns:r="http://schemas.openxmlformats.org/officeDocument/2006/relationships" xmlns:p="http://schemas.openxmlformats.org/presentationml/2006/main">
   <p:cSld>
     <p:spTree>
@@ -7989,7 +8081,7 @@
             <p:ph idx="1"/>
             <p:extLst>
               <p:ext uri="{D42A27DB-BD31-4B8C-83A1-F6EECF244321}">
-                <p14:modId xmlns:p14="http://schemas.microsoft.com/office/powerpoint/2010/main" val="2726026570"/>
+                <p14:modId xmlns:p14="http://schemas.microsoft.com/office/powerpoint/2010/main" val="1039108018"/>
               </p:ext>
             </p:extLst>
           </p:nvPr>
@@ -8148,19 +8240,27 @@
           <a:prstGeom prst="rect">
             <a:avLst/>
           </a:prstGeom>
+          <a:solidFill>
+            <a:schemeClr val="accent1">
+              <a:alpha val="50000"/>
+            </a:schemeClr>
+          </a:solidFill>
+          <a:ln>
+            <a:noFill/>
+          </a:ln>
         </p:spPr>
         <p:style>
-          <a:lnRef idx="2">
-            <a:schemeClr val="dk1"/>
+          <a:lnRef idx="0">
+            <a:scrgbClr r="0" g="0" b="0"/>
           </a:lnRef>
-          <a:fillRef idx="1">
-            <a:schemeClr val="lt1"/>
+          <a:fillRef idx="0">
+            <a:scrgbClr r="0" g="0" b="0"/>
           </a:fillRef>
           <a:effectRef idx="0">
-            <a:schemeClr val="dk1"/>
+            <a:scrgbClr r="0" g="0" b="0"/>
           </a:effectRef>
           <a:fontRef idx="minor">
-            <a:schemeClr val="dk1"/>
+            <a:schemeClr val="lt1"/>
           </a:fontRef>
         </p:style>
         <p:txBody>
@@ -8208,19 +8308,27 @@
           <a:prstGeom prst="rect">
             <a:avLst/>
           </a:prstGeom>
+          <a:solidFill>
+            <a:schemeClr val="accent1">
+              <a:alpha val="50000"/>
+            </a:schemeClr>
+          </a:solidFill>
+          <a:ln>
+            <a:noFill/>
+          </a:ln>
         </p:spPr>
         <p:style>
-          <a:lnRef idx="2">
-            <a:schemeClr val="dk1"/>
+          <a:lnRef idx="0">
+            <a:scrgbClr r="0" g="0" b="0"/>
           </a:lnRef>
-          <a:fillRef idx="1">
-            <a:schemeClr val="lt1"/>
+          <a:fillRef idx="0">
+            <a:scrgbClr r="0" g="0" b="0"/>
           </a:fillRef>
           <a:effectRef idx="0">
-            <a:schemeClr val="dk1"/>
+            <a:scrgbClr r="0" g="0" b="0"/>
           </a:effectRef>
           <a:fontRef idx="minor">
-            <a:schemeClr val="dk1"/>
+            <a:schemeClr val="lt1"/>
           </a:fontRef>
         </p:style>
         <p:txBody>
@@ -8257,24 +8365,95 @@
         <p:spPr>
           <a:xfrm>
             <a:off x="6934200" y="3438939"/>
+            <a:ext cx="1538527" cy="584775"/>
+          </a:xfrm>
+          <a:prstGeom prst="rect">
+            <a:avLst/>
+          </a:prstGeom>
+          <a:solidFill>
+            <a:schemeClr val="accent1">
+              <a:alpha val="50000"/>
+            </a:schemeClr>
+          </a:solidFill>
+          <a:ln>
+            <a:noFill/>
+          </a:ln>
+        </p:spPr>
+        <p:style>
+          <a:lnRef idx="0">
+            <a:scrgbClr r="0" g="0" b="0"/>
+          </a:lnRef>
+          <a:fillRef idx="0">
+            <a:scrgbClr r="0" g="0" b="0"/>
+          </a:fillRef>
+          <a:effectRef idx="0">
+            <a:scrgbClr r="0" g="0" b="0"/>
+          </a:effectRef>
+          <a:fontRef idx="minor">
+            <a:schemeClr val="lt1"/>
+          </a:fontRef>
+        </p:style>
+        <p:txBody>
+          <a:bodyPr wrap="square" rtlCol="0">
+            <a:spAutoFit/>
+          </a:bodyPr>
+          <a:lstStyle/>
+          <a:p>
+            <a:r>
+              <a:rPr lang="en-US" sz="1600" dirty="0"/>
+              <a:t>Regression</a:t>
+            </a:r>
+          </a:p>
+          <a:p>
+            <a:r>
+              <a:rPr lang="en-US" sz="1600" dirty="0"/>
+              <a:t>T Test</a:t>
+            </a:r>
+            <a:endParaRPr lang="en-US" dirty="0"/>
+          </a:p>
+        </p:txBody>
+      </p:sp>
+      <p:sp>
+        <p:nvSpPr>
+          <p:cNvPr id="10" name="TextBox 9">
+            <a:extLst>
+              <a:ext uri="{FF2B5EF4-FFF2-40B4-BE49-F238E27FC236}">
+                <a16:creationId xmlns:a16="http://schemas.microsoft.com/office/drawing/2014/main" id="{BF0DD8DF-F9E1-4C81-A8D2-FC1C8EC36A83}"/>
+              </a:ext>
+            </a:extLst>
+          </p:cNvPr>
+          <p:cNvSpPr txBox="1"/>
+          <p:nvPr/>
+        </p:nvSpPr>
+        <p:spPr>
+          <a:xfrm>
+            <a:off x="5329341" y="3438939"/>
             <a:ext cx="1538527" cy="338554"/>
           </a:xfrm>
           <a:prstGeom prst="rect">
             <a:avLst/>
           </a:prstGeom>
+          <a:solidFill>
+            <a:schemeClr val="accent1">
+              <a:alpha val="50000"/>
+            </a:schemeClr>
+          </a:solidFill>
+          <a:ln>
+            <a:noFill/>
+          </a:ln>
         </p:spPr>
         <p:style>
-          <a:lnRef idx="2">
-            <a:schemeClr val="dk1"/>
+          <a:lnRef idx="0">
+            <a:scrgbClr r="0" g="0" b="0"/>
           </a:lnRef>
-          <a:fillRef idx="1">
-            <a:schemeClr val="lt1"/>
+          <a:fillRef idx="0">
+            <a:scrgbClr r="0" g="0" b="0"/>
           </a:fillRef>
           <a:effectRef idx="0">
-            <a:schemeClr val="dk1"/>
+            <a:scrgbClr r="0" g="0" b="0"/>
           </a:effectRef>
           <a:fontRef idx="minor">
-            <a:schemeClr val="dk1"/>
+            <a:schemeClr val="lt1"/>
           </a:fontRef>
         </p:style>
         <p:txBody>
@@ -8285,9 +8464,8 @@
           <a:p>
             <a:r>
               <a:rPr lang="en-US" sz="1600" dirty="0"/>
-              <a:t>Correlation</a:t>
-            </a:r>
-            <a:endParaRPr lang="en-US" dirty="0"/>
+              <a:t>Matplotlib</a:t>
+            </a:r>
           </a:p>
         </p:txBody>
       </p:sp>
@@ -8327,7 +8505,7 @@
           <p:cNvPr id="2" name="Title 1">
             <a:extLst>
               <a:ext uri="{FF2B5EF4-FFF2-40B4-BE49-F238E27FC236}">
-                <a16:creationId xmlns:a16="http://schemas.microsoft.com/office/drawing/2014/main" id="{930ACF4E-5384-4204-8337-BEBAC1025781}"/>
+                <a16:creationId xmlns:a16="http://schemas.microsoft.com/office/drawing/2014/main" id="{B84C6170-99FD-4A68-9BDA-F4E74508DF84}"/>
               </a:ext>
             </a:extLst>
           </p:cNvPr>
@@ -8350,21 +8528,50 @@
           </a:p>
         </p:txBody>
       </p:sp>
+      <p:sp>
+        <p:nvSpPr>
+          <p:cNvPr id="3" name="Content Placeholder 2">
+            <a:extLst>
+              <a:ext uri="{FF2B5EF4-FFF2-40B4-BE49-F238E27FC236}">
+                <a16:creationId xmlns:a16="http://schemas.microsoft.com/office/drawing/2014/main" id="{7981A6B8-128F-4FC1-897A-9ED1B955B639}"/>
+              </a:ext>
+            </a:extLst>
+          </p:cNvPr>
+          <p:cNvSpPr>
+            <a:spLocks noGrp="1"/>
+          </p:cNvSpPr>
+          <p:nvPr>
+            <p:ph idx="1"/>
+          </p:nvPr>
+        </p:nvSpPr>
+        <p:spPr/>
+        <p:txBody>
+          <a:bodyPr/>
+          <a:lstStyle/>
+          <a:p>
+            <a:r>
+              <a:rPr lang="en-US" dirty="0"/>
+              <a:t>7 days free Tweets</a:t>
+            </a:r>
+          </a:p>
+          <a:p>
+            <a:endParaRPr lang="en-US" dirty="0"/>
+          </a:p>
+        </p:txBody>
+      </p:sp>
       <p:pic>
         <p:nvPicPr>
-          <p:cNvPr id="15" name="Content Placeholder 14">
+          <p:cNvPr id="5" name="Content Placeholder 14">
             <a:extLst>
               <a:ext uri="{FF2B5EF4-FFF2-40B4-BE49-F238E27FC236}">
-                <a16:creationId xmlns:a16="http://schemas.microsoft.com/office/drawing/2014/main" id="{CA116927-8A36-4738-950F-C6ABEF5CFC8E}"/>
+                <a16:creationId xmlns:a16="http://schemas.microsoft.com/office/drawing/2014/main" id="{43890C0A-24A5-4A68-B53E-F76576A301C5}"/>
               </a:ext>
             </a:extLst>
           </p:cNvPr>
           <p:cNvPicPr>
-            <a:picLocks noGrp="1" noChangeAspect="1"/>
+            <a:picLocks noChangeAspect="1"/>
           </p:cNvPicPr>
-          <p:nvPr>
-            <p:ph idx="1"/>
-          </p:nvPr>
+          <p:nvPr/>
         </p:nvPicPr>
         <p:blipFill>
           <a:blip r:embed="rId2" cstate="email">
@@ -8380,15 +8587,18 @@
         </p:blipFill>
         <p:spPr>
           <a:xfrm>
-            <a:off x="7010400" y="1447800"/>
+            <a:off x="6400800" y="1851818"/>
             <a:ext cx="1395509" cy="1782763"/>
           </a:xfrm>
+          <a:prstGeom prst="rect">
+            <a:avLst/>
+          </a:prstGeom>
         </p:spPr>
       </p:pic>
     </p:spTree>
     <p:extLst>
       <p:ext uri="{BB962C8B-B14F-4D97-AF65-F5344CB8AC3E}">
-        <p14:creationId xmlns:p14="http://schemas.microsoft.com/office/powerpoint/2010/main" val="3814166052"/>
+        <p14:creationId xmlns:p14="http://schemas.microsoft.com/office/powerpoint/2010/main" val="1341171327"/>
       </p:ext>
     </p:extLst>
   </p:cSld>
